--- a/skin cancer detection.pptx
+++ b/skin cancer detection.pptx
@@ -115,7 +115,7 @@
   </p:defaultTextStyle>
   <p:extLst>
     <p:ext uri="{EFAFB233-063F-42B5-8137-9DF3F51BA10A}">
-      <p15:sldGuideLst xmlns="" xmlns:p15="http://schemas.microsoft.com/office/powerpoint/2012/main">
+      <p15:sldGuideLst xmlns:p15="http://schemas.microsoft.com/office/powerpoint/2012/main">
         <p15:guide id="1" orient="horz" pos="2880">
           <p15:clr>
             <a:srgbClr val="A4A3A4"/>
@@ -278,7 +278,7 @@
             <a:fld id="{1D8BD707-D9CF-40AE-B4C6-C98DA3205C09}" type="datetimeFigureOut">
               <a:rPr lang="en-US"/>
               <a:pPr/>
-              <a:t>4/4/2024</a:t>
+              <a:t>4/5/2024</a:t>
             </a:fld>
             <a:endParaRPr lang="en-US"/>
           </a:p>
@@ -467,7 +467,7 @@
             <a:fld id="{1D8BD707-D9CF-40AE-B4C6-C98DA3205C09}" type="datetimeFigureOut">
               <a:rPr lang="en-US"/>
               <a:pPr/>
-              <a:t>4/4/2024</a:t>
+              <a:t>4/5/2024</a:t>
             </a:fld>
             <a:endParaRPr lang="en-US"/>
           </a:p>
@@ -699,7 +699,7 @@
             <a:fld id="{1D8BD707-D9CF-40AE-B4C6-C98DA3205C09}" type="datetimeFigureOut">
               <a:rPr lang="en-US"/>
               <a:pPr/>
-              <a:t>4/4/2024</a:t>
+              <a:t>4/5/2024</a:t>
             </a:fld>
             <a:endParaRPr lang="en-US"/>
           </a:p>
@@ -865,7 +865,7 @@
             <a:fld id="{1D8BD707-D9CF-40AE-B4C6-C98DA3205C09}" type="datetimeFigureOut">
               <a:rPr lang="en-US"/>
               <a:pPr/>
-              <a:t>4/4/2024</a:t>
+              <a:t>4/5/2024</a:t>
             </a:fld>
             <a:endParaRPr lang="en-US"/>
           </a:p>
@@ -1002,7 +1002,7 @@
             <a:fld id="{1D8BD707-D9CF-40AE-B4C6-C98DA3205C09}" type="datetimeFigureOut">
               <a:rPr lang="en-US"/>
               <a:pPr/>
-              <a:t>4/4/2024</a:t>
+              <a:t>4/5/2024</a:t>
             </a:fld>
             <a:endParaRPr lang="en-US"/>
           </a:p>
@@ -1730,7 +1730,7 @@
             <a:fld id="{1D8BD707-D9CF-40AE-B4C6-C98DA3205C09}" type="datetimeFigureOut">
               <a:rPr lang="en-US"/>
               <a:pPr/>
-              <a:t>4/4/2024</a:t>
+              <a:t>4/5/2024</a:t>
             </a:fld>
             <a:endParaRPr lang="en-US"/>
           </a:p>
@@ -2217,8 +2217,8 @@
         </p:nvSpPr>
         <p:spPr>
           <a:xfrm>
-            <a:off x="2667000" y="1295400"/>
-            <a:ext cx="7467600" cy="3586879"/>
+            <a:off x="-533400" y="1740074"/>
+            <a:ext cx="11277600" cy="4817986"/>
           </a:xfrm>
           <a:prstGeom prst="rect">
             <a:avLst/>
@@ -2238,33 +2238,29 @@
                 <a:spcPts val="130"/>
               </a:spcBef>
             </a:pPr>
-            <a:r>
-              <a:rPr lang="en-US" spc="15" dirty="0"/>
-              <a:t/>
-            </a:r>
             <a:br>
               <a:rPr lang="en-US" spc="15" dirty="0"/>
             </a:br>
-            <a:r>
-              <a:rPr lang="en-IN" sz="2000" spc="15" dirty="0"/>
-              <a:t/>
-            </a:r>
             <a:br>
               <a:rPr lang="en-IN" sz="2000" spc="15" dirty="0"/>
             </a:br>
             <a:r>
-              <a:rPr lang="en-IN" sz="2000" spc="15" dirty="0" smtClean="0"/>
+              <a:rPr lang="en-IN" sz="2000" spc="15" dirty="0"/>
               <a:t>      </a:t>
-            </a:r>
-            <a:r>
-              <a:rPr lang="en-IN" sz="2000" spc="15" dirty="0"/>
-              <a:t/>
             </a:r>
             <a:br>
               <a:rPr lang="en-IN" sz="2000" spc="15" dirty="0"/>
             </a:br>
             <a:r>
-              <a:rPr lang="en-IN" sz="4000" b="1" spc="15" dirty="0" err="1" smtClean="0">
+              <a:rPr lang="en-IN" sz="2000" spc="15" dirty="0"/>
+              <a:t>Presented </a:t>
+            </a:r>
+            <a:r>
+              <a:rPr lang="en-IN" sz="2000" spc="15" dirty="0" err="1"/>
+              <a:t>by:</a:t>
+            </a:r>
+            <a:r>
+              <a:rPr lang="en-IN" sz="2000" b="1" spc="15" dirty="0" err="1">
                 <a:solidFill>
                   <a:schemeClr val="tx2"/>
                 </a:solidFill>
@@ -2272,69 +2268,140 @@
               <a:t>G.Glory</a:t>
             </a:r>
             <a:r>
-              <a:rPr lang="en-IN" sz="4000" b="1" spc="15" dirty="0" smtClean="0">
+              <a:rPr lang="en-IN" sz="2000" b="1" spc="15" dirty="0">
                 <a:solidFill>
                   <a:schemeClr val="tx2"/>
                 </a:solidFill>
               </a:rPr>
               <a:t> Nikita</a:t>
             </a:r>
-            <a:r>
-              <a:rPr lang="en-IN" sz="4000" b="1" spc="15" dirty="0" smtClean="0">
+            <a:br>
+              <a:rPr lang="en-IN" sz="2000" b="1" spc="15" dirty="0">
                 <a:solidFill>
                   <a:schemeClr val="tx2"/>
                 </a:solidFill>
               </a:rPr>
-              <a:t/>
+            </a:br>
+            <a:r>
+              <a:rPr lang="en-IN" sz="2000" spc="15" dirty="0"/>
+              <a:t>Register No:</a:t>
+            </a:r>
+            <a:r>
+              <a:rPr lang="en-IN" sz="2000" b="1" spc="15" dirty="0">
+                <a:solidFill>
+                  <a:schemeClr val="tx2"/>
+                </a:solidFill>
+              </a:rPr>
+              <a:t>813821205013</a:t>
             </a:r>
             <a:br>
-              <a:rPr lang="en-IN" sz="4000" b="1" spc="15" dirty="0" smtClean="0">
+              <a:rPr lang="en-IN" sz="2000" b="1" spc="15" dirty="0">
                 <a:solidFill>
                   <a:schemeClr val="tx2"/>
                 </a:solidFill>
               </a:rPr>
             </a:br>
             <a:r>
-              <a:rPr lang="en-IN" sz="4000" b="1" spc="15" dirty="0" smtClean="0">
+              <a:rPr lang="en-IN" sz="2000" spc="15" dirty="0" err="1"/>
+              <a:t>Department:</a:t>
+            </a:r>
+            <a:r>
+              <a:rPr lang="en-IN" sz="2000" b="1" spc="15" dirty="0" err="1">
                 <a:solidFill>
                   <a:schemeClr val="tx2"/>
                 </a:solidFill>
               </a:rPr>
-              <a:t>813821205013</a:t>
-            </a:r>
-            <a:r>
-              <a:rPr lang="en-IN" sz="4000" b="1" spc="15" dirty="0" smtClean="0">
+              <a:t>Information</a:t>
+            </a:r>
+            <a:r>
+              <a:rPr lang="en-IN" sz="2000" b="1" spc="15" dirty="0">
                 <a:solidFill>
                   <a:schemeClr val="tx2"/>
                 </a:solidFill>
               </a:rPr>
-              <a:t/>
+              <a:t> Technology</a:t>
             </a:r>
             <a:br>
-              <a:rPr lang="en-IN" sz="4000" b="1" spc="15" dirty="0" smtClean="0">
+              <a:rPr lang="en-IN" sz="2000" b="1" spc="15" dirty="0">
                 <a:solidFill>
                   <a:schemeClr val="tx2"/>
                 </a:solidFill>
               </a:rPr>
             </a:br>
             <a:r>
+              <a:rPr lang="en-IN" sz="2000" spc="15" dirty="0" err="1"/>
+              <a:t>College:</a:t>
+            </a:r>
+            <a:r>
+              <a:rPr lang="en-IN" sz="2000" b="1" spc="15" dirty="0" err="1">
+                <a:solidFill>
+                  <a:schemeClr val="tx2"/>
+                </a:solidFill>
+              </a:rPr>
+              <a:t>Saranathan</a:t>
+            </a:r>
+            <a:r>
+              <a:rPr lang="en-IN" sz="2000" b="1" spc="15" dirty="0">
+                <a:solidFill>
+                  <a:schemeClr val="tx2"/>
+                </a:solidFill>
+              </a:rPr>
+              <a:t> College of Engineering </a:t>
+            </a:r>
+            <a:br>
+              <a:rPr lang="en-IN" sz="2000" b="1" spc="15" dirty="0">
+                <a:solidFill>
+                  <a:schemeClr val="tx2"/>
+                </a:solidFill>
+              </a:rPr>
+            </a:br>
+            <a:r>
               <a:rPr lang="en-IN" sz="2000" spc="15" dirty="0"/>
-              <a:t/>
-            </a:r>
+              <a:t>NM Mail ID:</a:t>
+            </a:r>
+            <a:r>
+              <a:rPr lang="en-IN" sz="2000" b="1" spc="15" dirty="0">
+                <a:solidFill>
+                  <a:schemeClr val="tx2"/>
+                </a:solidFill>
+              </a:rPr>
+              <a:t>glorynikita199@gmail.com</a:t>
+            </a:r>
+            <a:br>
+              <a:rPr lang="en-IN" sz="2000" b="1" spc="15" dirty="0">
+                <a:solidFill>
+                  <a:schemeClr val="tx2"/>
+                </a:solidFill>
+              </a:rPr>
+            </a:br>
+            <a:r>
+              <a:rPr lang="en-IN" sz="2000" b="1" spc="15" dirty="0">
+                <a:solidFill>
+                  <a:schemeClr val="tx2"/>
+                </a:solidFill>
+              </a:rPr>
+              <a:t>                       (au813821205013)</a:t>
+            </a:r>
+            <a:br>
+              <a:rPr lang="en-IN" sz="2000" b="1" spc="15" dirty="0">
+                <a:solidFill>
+                  <a:schemeClr val="tx2"/>
+                </a:solidFill>
+              </a:rPr>
+            </a:br>
+            <a:br>
+              <a:rPr lang="en-IN" sz="4000" b="1" spc="15" dirty="0">
+                <a:solidFill>
+                  <a:schemeClr val="tx2"/>
+                </a:solidFill>
+              </a:rPr>
+            </a:br>
             <a:br>
               <a:rPr lang="en-IN" sz="2000" spc="15" dirty="0"/>
             </a:br>
-            <a:r>
-              <a:rPr lang="en-IN" sz="2000" spc="15" dirty="0"/>
-              <a:t/>
-            </a:r>
             <a:br>
               <a:rPr lang="en-IN" sz="2000" spc="15" dirty="0"/>
             </a:br>
-            <a:r>
-              <a:rPr lang="en-US" sz="2000" spc="15" dirty="0"/>
-              <a:t/>
-            </a:r>
             <a:br>
               <a:rPr lang="en-US" sz="2000" spc="15" dirty="0"/>
             </a:br>
@@ -2406,6 +2473,43 @@
               <a:t>1</a:t>
             </a:fld>
             <a:endParaRPr spc="10" dirty="0"/>
+          </a:p>
+        </p:txBody>
+      </p:sp>
+      <p:sp>
+        <p:nvSpPr>
+          <p:cNvPr id="8" name="Rectangle 7">
+            <a:extLst>
+              <a:ext uri="{FF2B5EF4-FFF2-40B4-BE49-F238E27FC236}">
+                <a16:creationId xmlns:a16="http://schemas.microsoft.com/office/drawing/2014/main" id="{DF94E33F-8922-41C9-990F-894D1DA711AC}"/>
+              </a:ext>
+            </a:extLst>
+          </p:cNvPr>
+          <p:cNvSpPr/>
+          <p:nvPr/>
+        </p:nvSpPr>
+        <p:spPr>
+          <a:xfrm>
+            <a:off x="2286000" y="203855"/>
+            <a:ext cx="6781800" cy="646331"/>
+          </a:xfrm>
+          <a:prstGeom prst="rect">
+            <a:avLst/>
+          </a:prstGeom>
+        </p:spPr>
+        <p:txBody>
+          <a:bodyPr wrap="square">
+            <a:spAutoFit/>
+          </a:bodyPr>
+          <a:lstStyle/>
+          <a:p>
+            <a:r>
+              <a:rPr lang="en-IN" sz="3600" dirty="0">
+                <a:latin typeface="Söhne"/>
+              </a:rPr>
+              <a:t>Skin Cancer Detection using CNN</a:t>
+            </a:r>
+            <a:endParaRPr lang="en-IN" sz="3600" dirty="0"/>
           </a:p>
         </p:txBody>
       </p:sp>
@@ -2700,7 +2804,7 @@
               </a:spcBef>
             </a:pPr>
             <a:r>
-              <a:rPr lang="en-US" sz="2000" u="heavy" spc="20" dirty="0" smtClean="0">
+              <a:rPr lang="en-US" sz="2000" u="heavy" spc="20" dirty="0">
                 <a:solidFill>
                   <a:schemeClr val="tx2"/>
                 </a:solidFill>
@@ -2713,10 +2817,43 @@
                 <a:cs typeface="Trebuchet MS"/>
                 <a:hlinkClick r:id="rId3"/>
               </a:rPr>
-              <a:t>DEMO LINK</a:t>
-            </a:r>
-            <a:r>
-              <a:rPr lang="en-US" sz="2000" u="heavy" spc="20" dirty="0" smtClean="0">
+              <a:t>DEMO LINK:</a:t>
+            </a:r>
+          </a:p>
+          <a:p>
+            <a:pPr marL="12700">
+              <a:lnSpc>
+                <a:spcPct val="100000"/>
+              </a:lnSpc>
+              <a:spcBef>
+                <a:spcPts val="130"/>
+              </a:spcBef>
+            </a:pPr>
+            <a:endParaRPr lang="en-US" sz="2000" u="heavy" spc="20" dirty="0">
+              <a:solidFill>
+                <a:schemeClr val="tx2"/>
+              </a:solidFill>
+              <a:uFill>
+                <a:solidFill>
+                  <a:srgbClr val="006FC0"/>
+                </a:solidFill>
+              </a:uFill>
+              <a:latin typeface="Trebuchet MS"/>
+              <a:cs typeface="Trebuchet MS"/>
+              <a:hlinkClick r:id="rId3"/>
+            </a:endParaRPr>
+          </a:p>
+          <a:p>
+            <a:pPr marL="12700">
+              <a:lnSpc>
+                <a:spcPct val="100000"/>
+              </a:lnSpc>
+              <a:spcBef>
+                <a:spcPts val="130"/>
+              </a:spcBef>
+            </a:pPr>
+            <a:r>
+              <a:rPr lang="en-US" sz="2000" u="heavy" spc="20" dirty="0">
                 <a:solidFill>
                   <a:schemeClr val="tx2"/>
                 </a:solidFill>
@@ -2729,70 +2866,8 @@
                 <a:cs typeface="Trebuchet MS"/>
                 <a:hlinkClick r:id="rId3"/>
               </a:rPr>
-              <a:t>:</a:t>
-            </a:r>
-          </a:p>
-          <a:p>
-            <a:pPr marL="12700">
-              <a:lnSpc>
-                <a:spcPct val="100000"/>
-              </a:lnSpc>
-              <a:spcBef>
-                <a:spcPts val="130"/>
-              </a:spcBef>
-            </a:pPr>
-            <a:endParaRPr lang="en-US" sz="2000" u="heavy" spc="20" dirty="0" smtClean="0">
-              <a:solidFill>
-                <a:schemeClr val="tx2"/>
-              </a:solidFill>
-              <a:uFill>
-                <a:solidFill>
-                  <a:srgbClr val="006FC0"/>
-                </a:solidFill>
-              </a:uFill>
-              <a:latin typeface="Trebuchet MS"/>
-              <a:cs typeface="Trebuchet MS"/>
-              <a:hlinkClick r:id="rId3"/>
-            </a:endParaRPr>
-          </a:p>
-          <a:p>
-            <a:pPr marL="12700">
-              <a:lnSpc>
-                <a:spcPct val="100000"/>
-              </a:lnSpc>
-              <a:spcBef>
-                <a:spcPts val="130"/>
-              </a:spcBef>
-            </a:pPr>
-            <a:r>
-              <a:rPr lang="en-US" sz="2000" u="heavy" spc="20" dirty="0" smtClean="0">
-                <a:solidFill>
-                  <a:schemeClr val="tx2"/>
-                </a:solidFill>
-                <a:uFill>
-                  <a:solidFill>
-                    <a:srgbClr val="006FC0"/>
-                  </a:solidFill>
-                </a:uFill>
-                <a:latin typeface="Trebuchet MS"/>
-                <a:cs typeface="Trebuchet MS"/>
-                <a:hlinkClick r:id="rId3"/>
-              </a:rPr>
               <a:t>https://github.com/Glorynikita/TNSDC-Generative-AI.git</a:t>
             </a:r>
-            <a:endParaRPr lang="en-US" sz="2000" u="heavy" spc="20" dirty="0" smtClean="0">
-              <a:solidFill>
-                <a:schemeClr val="tx2"/>
-              </a:solidFill>
-              <a:uFill>
-                <a:solidFill>
-                  <a:srgbClr val="006FC0"/>
-                </a:solidFill>
-              </a:uFill>
-              <a:latin typeface="Trebuchet MS"/>
-              <a:cs typeface="Trebuchet MS"/>
-              <a:hlinkClick r:id="rId3"/>
-            </a:endParaRPr>
           </a:p>
         </p:txBody>
       </p:sp>
@@ -2873,13 +2948,6 @@
   <p:clrMapOvr>
     <a:masterClrMapping/>
   </p:clrMapOvr>
-  <p:timing>
-    <p:tnLst>
-      <p:par>
-        <p:cTn id="1" dur="indefinite" restart="never" nodeType="tmRoot"/>
-      </p:par>
-    </p:tnLst>
-  </p:timing>
 </p:sld>
 </file>
 
@@ -2908,7 +2976,7 @@
         </p:nvSpPr>
         <p:spPr>
           <a:xfrm>
-            <a:off x="0" y="0"/>
+            <a:off x="-76200" y="5205"/>
             <a:ext cx="12192000" cy="6858000"/>
           </a:xfrm>
           <a:custGeom>
@@ -3764,7 +3832,7 @@
           <p:cNvPr id="24" name="TextBox 23">
             <a:extLst>
               <a:ext uri="{FF2B5EF4-FFF2-40B4-BE49-F238E27FC236}">
-                <a16:creationId xmlns="" xmlns:a16="http://schemas.microsoft.com/office/drawing/2014/main" id="{1733ADC4-7540-676C-1C15-11A4C04BAF44}"/>
+                <a16:creationId xmlns:a16="http://schemas.microsoft.com/office/drawing/2014/main" id="{1733ADC4-7540-676C-1C15-11A4C04BAF44}"/>
               </a:ext>
             </a:extLst>
           </p:cNvPr>
@@ -3773,7 +3841,7 @@
         </p:nvSpPr>
         <p:spPr>
           <a:xfrm>
-            <a:off x="2448611" y="2255060"/>
+            <a:off x="2204522" y="2332229"/>
             <a:ext cx="6100916" cy="2554545"/>
           </a:xfrm>
           <a:prstGeom prst="rect">
@@ -4984,31 +5052,15 @@
             <a:br>
               <a:rPr lang="en-US" dirty="0"/>
             </a:br>
-            <a:r>
-              <a:rPr lang="en-US" dirty="0"/>
-              <a:t/>
-            </a:r>
             <a:br>
               <a:rPr lang="en-US" dirty="0"/>
             </a:br>
-            <a:r>
-              <a:rPr lang="en-US" dirty="0"/>
-              <a:t/>
-            </a:r>
             <a:br>
               <a:rPr lang="en-US" dirty="0"/>
             </a:br>
-            <a:r>
-              <a:rPr lang="en-IN" dirty="0"/>
-              <a:t/>
-            </a:r>
             <a:br>
               <a:rPr lang="en-IN" dirty="0"/>
             </a:br>
-            <a:r>
-              <a:rPr lang="en-US" dirty="0"/>
-              <a:t/>
-            </a:r>
             <a:br>
               <a:rPr lang="en-US" dirty="0"/>
             </a:br>
@@ -5066,7 +5118,7 @@
           <p:cNvPr id="24" name="TextBox 23">
             <a:extLst>
               <a:ext uri="{FF2B5EF4-FFF2-40B4-BE49-F238E27FC236}">
-                <a16:creationId xmlns="" xmlns:a16="http://schemas.microsoft.com/office/drawing/2014/main" id="{1ED5E182-4967-EA50-4C9B-3FEA88534525}"/>
+                <a16:creationId xmlns:a16="http://schemas.microsoft.com/office/drawing/2014/main" id="{1ED5E182-4967-EA50-4C9B-3FEA88534525}"/>
               </a:ext>
             </a:extLst>
           </p:cNvPr>
@@ -5550,24 +5602,12 @@
               <a:rPr sz="4250" spc="10" dirty="0"/>
               <a:t>NT</a:t>
             </a:r>
-            <a:r>
-              <a:rPr lang="en-US" sz="4250" spc="10" dirty="0"/>
-              <a:t/>
-            </a:r>
             <a:br>
               <a:rPr lang="en-US" sz="4250" spc="10" dirty="0"/>
             </a:br>
-            <a:r>
-              <a:rPr lang="en-IN" sz="4250" spc="10" dirty="0"/>
-              <a:t/>
-            </a:r>
             <a:br>
               <a:rPr lang="en-IN" sz="4250" spc="10" dirty="0"/>
             </a:br>
-            <a:r>
-              <a:rPr lang="en-IN" sz="4250" spc="10" dirty="0"/>
-              <a:t/>
-            </a:r>
             <a:br>
               <a:rPr lang="en-IN" sz="4250" spc="10" dirty="0"/>
             </a:br>
@@ -5647,7 +5687,7 @@
           <p:cNvPr id="15" name="Rectangle 2">
             <a:extLst>
               <a:ext uri="{FF2B5EF4-FFF2-40B4-BE49-F238E27FC236}">
-                <a16:creationId xmlns="" xmlns:a16="http://schemas.microsoft.com/office/drawing/2014/main" id="{6A493B54-37A8-ED36-523C-567C89947390}"/>
+                <a16:creationId xmlns:a16="http://schemas.microsoft.com/office/drawing/2014/main" id="{6A493B54-37A8-ED36-523C-567C89947390}"/>
               </a:ext>
             </a:extLst>
           </p:cNvPr>
@@ -5673,7 +5713,7 @@
           <a:effectLst/>
           <a:extLst>
             <a:ext uri="{91240B29-F687-4F45-9708-019B960494DF}">
-              <a14:hiddenLine xmlns="" xmlns:a14="http://schemas.microsoft.com/office/drawing/2010/main" w="9525">
+              <a14:hiddenLine xmlns:a14="http://schemas.microsoft.com/office/drawing/2010/main" w="9525">
                 <a:solidFill>
                   <a:schemeClr val="tx1"/>
                 </a:solidFill>
@@ -5683,7 +5723,7 @@
               </a14:hiddenLine>
             </a:ext>
             <a:ext uri="{AF507438-7753-43E0-B8FC-AC1667EBCBE1}">
-              <a14:hiddenEffects xmlns="" xmlns:a14="http://schemas.microsoft.com/office/drawing/2010/main">
+              <a14:hiddenEffects xmlns:a14="http://schemas.microsoft.com/office/drawing/2010/main">
                 <a:effectLst>
                   <a:outerShdw dist="35921" dir="2700000" algn="ctr" rotWithShape="0">
                     <a:schemeClr val="bg2"/>
@@ -5736,7 +5776,7 @@
           <p:cNvPr id="16" name="Rectangle 3">
             <a:extLst>
               <a:ext uri="{FF2B5EF4-FFF2-40B4-BE49-F238E27FC236}">
-                <a16:creationId xmlns="" xmlns:a16="http://schemas.microsoft.com/office/drawing/2014/main" id="{32EE13B1-B251-D16F-E952-56A38F8DE8C1}"/>
+                <a16:creationId xmlns:a16="http://schemas.microsoft.com/office/drawing/2014/main" id="{32EE13B1-B251-D16F-E952-56A38F8DE8C1}"/>
               </a:ext>
             </a:extLst>
           </p:cNvPr>
@@ -5762,7 +5802,7 @@
           <a:effectLst/>
           <a:extLst>
             <a:ext uri="{91240B29-F687-4F45-9708-019B960494DF}">
-              <a14:hiddenLine xmlns="" xmlns:a14="http://schemas.microsoft.com/office/drawing/2010/main" w="9525">
+              <a14:hiddenLine xmlns:a14="http://schemas.microsoft.com/office/drawing/2010/main" w="9525">
                 <a:solidFill>
                   <a:schemeClr val="tx1"/>
                 </a:solidFill>
@@ -5772,7 +5812,7 @@
               </a14:hiddenLine>
             </a:ext>
             <a:ext uri="{AF507438-7753-43E0-B8FC-AC1667EBCBE1}">
-              <a14:hiddenEffects xmlns="" xmlns:a14="http://schemas.microsoft.com/office/drawing/2010/main">
+              <a14:hiddenEffects xmlns:a14="http://schemas.microsoft.com/office/drawing/2010/main">
                 <a:effectLst>
                   <a:outerShdw dist="35921" dir="2700000" algn="ctr" rotWithShape="0">
                     <a:schemeClr val="bg2"/>
@@ -5851,7 +5891,7 @@
           <p:cNvPr id="11" name="TextBox 10">
             <a:extLst>
               <a:ext uri="{FF2B5EF4-FFF2-40B4-BE49-F238E27FC236}">
-                <a16:creationId xmlns="" xmlns:a16="http://schemas.microsoft.com/office/drawing/2014/main" id="{826BE9FE-BF6A-F902-5FF7-3F4523A8E3B6}"/>
+                <a16:creationId xmlns:a16="http://schemas.microsoft.com/office/drawing/2014/main" id="{826BE9FE-BF6A-F902-5FF7-3F4523A8E3B6}"/>
               </a:ext>
             </a:extLst>
           </p:cNvPr>
@@ -5911,7 +5951,7 @@
           <p:cNvPr id="13" name="Rectangle 2">
             <a:extLst>
               <a:ext uri="{FF2B5EF4-FFF2-40B4-BE49-F238E27FC236}">
-                <a16:creationId xmlns="" xmlns:a16="http://schemas.microsoft.com/office/drawing/2014/main" id="{FC17A720-06F8-019A-C938-BD593C26C89E}"/>
+                <a16:creationId xmlns:a16="http://schemas.microsoft.com/office/drawing/2014/main" id="{FC17A720-06F8-019A-C938-BD593C26C89E}"/>
               </a:ext>
             </a:extLst>
           </p:cNvPr>
@@ -5937,7 +5977,7 @@
           <a:effectLst/>
           <a:extLst>
             <a:ext uri="{91240B29-F687-4F45-9708-019B960494DF}">
-              <a14:hiddenLine xmlns="" xmlns:a14="http://schemas.microsoft.com/office/drawing/2010/main" w="9525">
+              <a14:hiddenLine xmlns:a14="http://schemas.microsoft.com/office/drawing/2010/main" w="9525">
                 <a:solidFill>
                   <a:schemeClr val="tx1"/>
                 </a:solidFill>
@@ -5947,7 +5987,7 @@
               </a14:hiddenLine>
             </a:ext>
             <a:ext uri="{AF507438-7753-43E0-B8FC-AC1667EBCBE1}">
-              <a14:hiddenEffects xmlns="" xmlns:a14="http://schemas.microsoft.com/office/drawing/2010/main">
+              <a14:hiddenEffects xmlns:a14="http://schemas.microsoft.com/office/drawing/2010/main">
                 <a:effectLst>
                   <a:outerShdw dist="35921" dir="2700000" algn="ctr" rotWithShape="0">
                     <a:schemeClr val="bg2"/>
@@ -6459,7 +6499,7 @@
           <p:cNvPr id="12" name="TextBox 11">
             <a:extLst>
               <a:ext uri="{FF2B5EF4-FFF2-40B4-BE49-F238E27FC236}">
-                <a16:creationId xmlns="" xmlns:a16="http://schemas.microsoft.com/office/drawing/2014/main" id="{8A9E1F7E-129D-5E9A-D4BB-65F45E7B4B9B}"/>
+                <a16:creationId xmlns:a16="http://schemas.microsoft.com/office/drawing/2014/main" id="{8A9E1F7E-129D-5E9A-D4BB-65F45E7B4B9B}"/>
               </a:ext>
             </a:extLst>
           </p:cNvPr>
@@ -6889,7 +6929,7 @@
           <p:cNvPr id="10" name="Rectangle 2">
             <a:extLst>
               <a:ext uri="{FF2B5EF4-FFF2-40B4-BE49-F238E27FC236}">
-                <a16:creationId xmlns="" xmlns:a16="http://schemas.microsoft.com/office/drawing/2014/main" id="{D0B139C5-951C-95BF-B8B0-4ED3DF3A7600}"/>
+                <a16:creationId xmlns:a16="http://schemas.microsoft.com/office/drawing/2014/main" id="{D0B139C5-951C-95BF-B8B0-4ED3DF3A7600}"/>
               </a:ext>
             </a:extLst>
           </p:cNvPr>
@@ -6915,7 +6955,7 @@
           <a:effectLst/>
           <a:extLst>
             <a:ext uri="{91240B29-F687-4F45-9708-019B960494DF}">
-              <a14:hiddenLine xmlns="" xmlns:a14="http://schemas.microsoft.com/office/drawing/2010/main" w="9525">
+              <a14:hiddenLine xmlns:a14="http://schemas.microsoft.com/office/drawing/2010/main" w="9525">
                 <a:solidFill>
                   <a:schemeClr val="tx1"/>
                 </a:solidFill>
@@ -6925,7 +6965,7 @@
               </a14:hiddenLine>
             </a:ext>
             <a:ext uri="{AF507438-7753-43E0-B8FC-AC1667EBCBE1}">
-              <a14:hiddenEffects xmlns="" xmlns:a14="http://schemas.microsoft.com/office/drawing/2010/main">
+              <a14:hiddenEffects xmlns:a14="http://schemas.microsoft.com/office/drawing/2010/main">
                 <a:effectLst>
                   <a:outerShdw dist="35921" dir="2700000" algn="ctr" rotWithShape="0">
                     <a:schemeClr val="bg2"/>
@@ -6960,19 +7000,6 @@
               <a:buNone/>
               <a:tabLst/>
             </a:pPr>
-            <a:r>
-              <a:rPr kumimoji="0" lang="en-US" altLang="en-US" sz="1000" b="0" i="0" u="none" strike="noStrike" cap="none" normalizeH="0" baseline="0">
-                <a:ln>
-                  <a:noFill/>
-                </a:ln>
-                <a:solidFill>
-                  <a:schemeClr val="tx1"/>
-                </a:solidFill>
-                <a:effectLst/>
-                <a:latin typeface="Söhne"/>
-              </a:rPr>
-              <a:t/>
-            </a:r>
             <a:br>
               <a:rPr kumimoji="0" lang="en-US" altLang="en-US" sz="1000" b="0" i="0" u="none" strike="noStrike" cap="none" normalizeH="0" baseline="0">
                 <a:ln>
@@ -7003,7 +7030,7 @@
           <p:cNvPr id="12" name="Rectangle 4">
             <a:extLst>
               <a:ext uri="{FF2B5EF4-FFF2-40B4-BE49-F238E27FC236}">
-                <a16:creationId xmlns="" xmlns:a16="http://schemas.microsoft.com/office/drawing/2014/main" id="{C822A8A8-6481-BBEF-C766-CDCBA319D17E}"/>
+                <a16:creationId xmlns:a16="http://schemas.microsoft.com/office/drawing/2014/main" id="{C822A8A8-6481-BBEF-C766-CDCBA319D17E}"/>
               </a:ext>
             </a:extLst>
           </p:cNvPr>
@@ -7029,7 +7056,7 @@
           <a:effectLst/>
           <a:extLst>
             <a:ext uri="{91240B29-F687-4F45-9708-019B960494DF}">
-              <a14:hiddenLine xmlns="" xmlns:a14="http://schemas.microsoft.com/office/drawing/2010/main" w="9525">
+              <a14:hiddenLine xmlns:a14="http://schemas.microsoft.com/office/drawing/2010/main" w="9525">
                 <a:solidFill>
                   <a:schemeClr val="tx1"/>
                 </a:solidFill>
@@ -7039,7 +7066,7 @@
               </a14:hiddenLine>
             </a:ext>
             <a:ext uri="{AF507438-7753-43E0-B8FC-AC1667EBCBE1}">
-              <a14:hiddenEffects xmlns="" xmlns:a14="http://schemas.microsoft.com/office/drawing/2010/main">
+              <a14:hiddenEffects xmlns:a14="http://schemas.microsoft.com/office/drawing/2010/main">
                 <a:effectLst>
                   <a:outerShdw dist="35921" dir="2700000" algn="ctr" rotWithShape="0">
                     <a:schemeClr val="bg2"/>
@@ -7074,19 +7101,6 @@
               <a:buNone/>
               <a:tabLst/>
             </a:pPr>
-            <a:r>
-              <a:rPr kumimoji="0" lang="en-US" altLang="en-US" sz="1000" b="0" i="0" u="none" strike="noStrike" cap="none" normalizeH="0" baseline="0">
-                <a:ln>
-                  <a:noFill/>
-                </a:ln>
-                <a:solidFill>
-                  <a:schemeClr val="tx1"/>
-                </a:solidFill>
-                <a:effectLst/>
-                <a:latin typeface="Söhne"/>
-              </a:rPr>
-              <a:t/>
-            </a:r>
             <a:br>
               <a:rPr kumimoji="0" lang="en-US" altLang="en-US" sz="1000" b="0" i="0" u="none" strike="noStrike" cap="none" normalizeH="0" baseline="0">
                 <a:ln>
@@ -7117,7 +7131,7 @@
           <p:cNvPr id="16" name="TextBox 15">
             <a:extLst>
               <a:ext uri="{FF2B5EF4-FFF2-40B4-BE49-F238E27FC236}">
-                <a16:creationId xmlns="" xmlns:a16="http://schemas.microsoft.com/office/drawing/2014/main" id="{F850C006-55DB-0C62-32D2-814CBB8D10B4}"/>
+                <a16:creationId xmlns:a16="http://schemas.microsoft.com/office/drawing/2014/main" id="{F850C006-55DB-0C62-32D2-814CBB8D10B4}"/>
               </a:ext>
             </a:extLst>
           </p:cNvPr>
@@ -7710,7 +7724,7 @@
           <p:cNvPr id="11" name="TextBox 10">
             <a:extLst>
               <a:ext uri="{FF2B5EF4-FFF2-40B4-BE49-F238E27FC236}">
-                <a16:creationId xmlns="" xmlns:a16="http://schemas.microsoft.com/office/drawing/2014/main" id="{F1CA6043-C3B5-00BE-F078-3B71A23EB7FF}"/>
+                <a16:creationId xmlns:a16="http://schemas.microsoft.com/office/drawing/2014/main" id="{F1CA6043-C3B5-00BE-F078-3B71A23EB7FF}"/>
               </a:ext>
             </a:extLst>
           </p:cNvPr>
@@ -8300,7 +8314,7 @@
           <p:cNvPr id="10" name="Rectangle 2">
             <a:extLst>
               <a:ext uri="{FF2B5EF4-FFF2-40B4-BE49-F238E27FC236}">
-                <a16:creationId xmlns="" xmlns:a16="http://schemas.microsoft.com/office/drawing/2014/main" id="{09C1DF9E-F4DF-AE77-6646-554CC70E3549}"/>
+                <a16:creationId xmlns:a16="http://schemas.microsoft.com/office/drawing/2014/main" id="{09C1DF9E-F4DF-AE77-6646-554CC70E3549}"/>
               </a:ext>
             </a:extLst>
           </p:cNvPr>
@@ -8326,7 +8340,7 @@
           <a:effectLst/>
           <a:extLst>
             <a:ext uri="{91240B29-F687-4F45-9708-019B960494DF}">
-              <a14:hiddenLine xmlns="" xmlns:a14="http://schemas.microsoft.com/office/drawing/2010/main" w="9525">
+              <a14:hiddenLine xmlns:a14="http://schemas.microsoft.com/office/drawing/2010/main" w="9525">
                 <a:solidFill>
                   <a:schemeClr val="tx1"/>
                 </a:solidFill>
@@ -8336,7 +8350,7 @@
               </a14:hiddenLine>
             </a:ext>
             <a:ext uri="{AF507438-7753-43E0-B8FC-AC1667EBCBE1}">
-              <a14:hiddenEffects xmlns="" xmlns:a14="http://schemas.microsoft.com/office/drawing/2010/main">
+              <a14:hiddenEffects xmlns:a14="http://schemas.microsoft.com/office/drawing/2010/main">
                 <a:effectLst>
                   <a:outerShdw dist="35921" dir="2700000" algn="ctr" rotWithShape="0">
                     <a:schemeClr val="bg2"/>
@@ -8417,7 +8431,7 @@
           <p:cNvPr id="11" name="Rectangle 3">
             <a:extLst>
               <a:ext uri="{FF2B5EF4-FFF2-40B4-BE49-F238E27FC236}">
-                <a16:creationId xmlns="" xmlns:a16="http://schemas.microsoft.com/office/drawing/2014/main" id="{7BBEF92A-11F6-56AB-5C1F-EDF31A1632D2}"/>
+                <a16:creationId xmlns:a16="http://schemas.microsoft.com/office/drawing/2014/main" id="{7BBEF92A-11F6-56AB-5C1F-EDF31A1632D2}"/>
               </a:ext>
             </a:extLst>
           </p:cNvPr>
@@ -8443,7 +8457,7 @@
           <a:effectLst/>
           <a:extLst>
             <a:ext uri="{91240B29-F687-4F45-9708-019B960494DF}">
-              <a14:hiddenLine xmlns="" xmlns:a14="http://schemas.microsoft.com/office/drawing/2010/main" w="9525">
+              <a14:hiddenLine xmlns:a14="http://schemas.microsoft.com/office/drawing/2010/main" w="9525">
                 <a:solidFill>
                   <a:schemeClr val="tx1"/>
                 </a:solidFill>
@@ -8453,7 +8467,7 @@
               </a14:hiddenLine>
             </a:ext>
             <a:ext uri="{AF507438-7753-43E0-B8FC-AC1667EBCBE1}">
-              <a14:hiddenEffects xmlns="" xmlns:a14="http://schemas.microsoft.com/office/drawing/2010/main">
+              <a14:hiddenEffects xmlns:a14="http://schemas.microsoft.com/office/drawing/2010/main">
                 <a:effectLst>
                   <a:outerShdw dist="35921" dir="2700000" algn="ctr" rotWithShape="0">
                     <a:schemeClr val="bg2"/>
@@ -8622,18 +8636,6 @@
               </a:rPr>
               <a:t>Continuously improving accuracy through machine learning.</a:t>
             </a:r>
-            <a:r>
-              <a:rPr kumimoji="0" lang="en-US" altLang="en-US" sz="2000" b="0" i="0" u="none" strike="noStrike" cap="none" normalizeH="0" baseline="0" dirty="0">
-                <a:ln>
-                  <a:noFill/>
-                </a:ln>
-                <a:solidFill>
-                  <a:schemeClr val="tx2"/>
-                </a:solidFill>
-                <a:effectLst/>
-              </a:rPr>
-              <a:t/>
-            </a:r>
             <a:br>
               <a:rPr kumimoji="0" lang="en-US" altLang="en-US" sz="2000" b="0" i="0" u="none" strike="noStrike" cap="none" normalizeH="0" baseline="0" dirty="0">
                 <a:ln>
@@ -8956,7 +8958,7 @@
           <p:cNvPr id="11" name="Picture 10">
             <a:extLst>
               <a:ext uri="{FF2B5EF4-FFF2-40B4-BE49-F238E27FC236}">
-                <a16:creationId xmlns="" xmlns:a16="http://schemas.microsoft.com/office/drawing/2014/main" id="{4161CCD5-6ADA-8ACD-0F67-B2714A44A83B}"/>
+                <a16:creationId xmlns:a16="http://schemas.microsoft.com/office/drawing/2014/main" id="{4161CCD5-6ADA-8ACD-0F67-B2714A44A83B}"/>
               </a:ext>
             </a:extLst>
           </p:cNvPr>
@@ -8969,7 +8971,7 @@
           <a:blip r:embed="rId3">
             <a:extLst>
               <a:ext uri="{28A0092B-C50C-407E-A947-70E740481C1C}">
-                <a14:useLocalDpi xmlns="" xmlns:a14="http://schemas.microsoft.com/office/drawing/2010/main" val="0"/>
+                <a14:useLocalDpi xmlns:a14="http://schemas.microsoft.com/office/drawing/2010/main" val="0"/>
               </a:ext>
             </a:extLst>
           </a:blip>
@@ -8991,13 +8993,6 @@
   <p:clrMapOvr>
     <a:masterClrMapping/>
   </p:clrMapOvr>
-  <p:timing>
-    <p:tnLst>
-      <p:par>
-        <p:cTn id="1" dur="indefinite" restart="never" nodeType="tmRoot"/>
-      </p:par>
-    </p:tnLst>
-  </p:timing>
 </p:sld>
 </file>
 
